--- a/non-technical_presentation.pptx
+++ b/non-technical_presentation.pptx
@@ -12,7 +12,11 @@
     <p:sldId id="260" r:id="rId6"/>
     <p:sldId id="261" r:id="rId7"/>
     <p:sldId id="262" r:id="rId8"/>
-    <p:sldId id="263" r:id="rId9"/>
+    <p:sldId id="264" r:id="rId9"/>
+    <p:sldId id="267" r:id="rId10"/>
+    <p:sldId id="265" r:id="rId11"/>
+    <p:sldId id="266" r:id="rId12"/>
+    <p:sldId id="263" r:id="rId13"/>
   </p:sldIdLst>
   <p:sldSz cx="9144000" cy="6858000" type="screen4x3"/>
   <p:notesSz cx="6858000" cy="9144000"/>
@@ -21456,6 +21460,1169 @@
         </p:txBody>
       </p:sp>
     </p:spTree>
+  </p:cSld>
+  <p:clrMapOvr>
+    <a:masterClrMapping/>
+  </p:clrMapOvr>
+</p:sld>
+</file>
+
+<file path=ppt/slides/slide10.xml><?xml version="1.0" encoding="utf-8"?>
+<p:sld xmlns:a="http://schemas.openxmlformats.org/drawingml/2006/main" xmlns:r="http://schemas.openxmlformats.org/officeDocument/2006/relationships" xmlns:p="http://schemas.openxmlformats.org/presentationml/2006/main">
+  <p:cSld>
+    <p:bg>
+      <p:bgPr>
+        <a:solidFill>
+          <a:schemeClr val="bg1"/>
+        </a:solidFill>
+        <a:effectLst/>
+      </p:bgPr>
+    </p:bg>
+    <p:spTree>
+      <p:nvGrpSpPr>
+        <p:cNvPr id="1" name="">
+          <a:extLst>
+            <a:ext uri="{FF2B5EF4-FFF2-40B4-BE49-F238E27FC236}">
+              <a16:creationId xmlns:a16="http://schemas.microsoft.com/office/drawing/2014/main" id="{D116B075-F0B7-AC1C-012B-DCC503DC313E}"/>
+            </a:ext>
+          </a:extLst>
+        </p:cNvPr>
+        <p:cNvGrpSpPr/>
+        <p:nvPr/>
+      </p:nvGrpSpPr>
+      <p:grpSpPr>
+        <a:xfrm>
+          <a:off x="0" y="0"/>
+          <a:ext cx="0" cy="0"/>
+          <a:chOff x="0" y="0"/>
+          <a:chExt cx="0" cy="0"/>
+        </a:xfrm>
+      </p:grpSpPr>
+      <p:sp>
+        <p:nvSpPr>
+          <p:cNvPr id="10" name="Rectangle 9">
+            <a:extLst>
+              <a:ext uri="{FF2B5EF4-FFF2-40B4-BE49-F238E27FC236}">
+                <a16:creationId xmlns:a16="http://schemas.microsoft.com/office/drawing/2014/main" id="{86FF76B9-219D-4469-AF87-0236D29032F1}"/>
+              </a:ext>
+              <a:ext uri="{C183D7F6-B498-43B3-948B-1728B52AA6E4}">
+                <adec:decorative xmlns:adec="http://schemas.microsoft.com/office/drawing/2017/decorative" val="1"/>
+              </a:ext>
+            </a:extLst>
+          </p:cNvPr>
+          <p:cNvSpPr>
+            <a:spLocks noGrp="1" noRot="1" noChangeAspect="1" noMove="1" noResize="1" noEditPoints="1" noAdjustHandles="1" noChangeArrowheads="1" noChangeShapeType="1" noTextEdit="1"/>
+          </p:cNvSpPr>
+          <p:nvPr>
+            <p:extLst>
+              <p:ext uri="{386F3935-93C4-4BCD-93E2-E3B085C9AB24}">
+                <p16:designElem xmlns:p16="http://schemas.microsoft.com/office/powerpoint/2015/main" val="1"/>
+              </p:ext>
+            </p:extLst>
+          </p:nvPr>
+        </p:nvSpPr>
+        <p:spPr>
+          <a:xfrm>
+            <a:off x="0" y="0"/>
+            <a:ext cx="9144000" cy="6858000"/>
+          </a:xfrm>
+          <a:prstGeom prst="rect">
+            <a:avLst/>
+          </a:prstGeom>
+          <a:solidFill>
+            <a:schemeClr val="bg1"/>
+          </a:solidFill>
+          <a:ln>
+            <a:noFill/>
+          </a:ln>
+        </p:spPr>
+        <p:style>
+          <a:lnRef idx="2">
+            <a:schemeClr val="accent1">
+              <a:shade val="50000"/>
+            </a:schemeClr>
+          </a:lnRef>
+          <a:fillRef idx="1">
+            <a:schemeClr val="accent1"/>
+          </a:fillRef>
+          <a:effectRef idx="0">
+            <a:schemeClr val="accent1"/>
+          </a:effectRef>
+          <a:fontRef idx="minor">
+            <a:schemeClr val="lt1"/>
+          </a:fontRef>
+        </p:style>
+        <p:txBody>
+          <a:bodyPr rtlCol="0" anchor="ctr"/>
+          <a:lstStyle/>
+          <a:p>
+            <a:pPr algn="ctr"/>
+            <a:endParaRPr lang="en-US" dirty="0"/>
+          </a:p>
+        </p:txBody>
+      </p:sp>
+      <p:grpSp>
+        <p:nvGrpSpPr>
+          <p:cNvPr id="12" name="Group 11">
+            <a:extLst>
+              <a:ext uri="{FF2B5EF4-FFF2-40B4-BE49-F238E27FC236}">
+                <a16:creationId xmlns:a16="http://schemas.microsoft.com/office/drawing/2014/main" id="{DB88BD78-87E1-424D-B479-C37D8E41B12E}"/>
+              </a:ext>
+              <a:ext uri="{C183D7F6-B498-43B3-948B-1728B52AA6E4}">
+                <adec:decorative xmlns:adec="http://schemas.microsoft.com/office/drawing/2017/decorative" val="1"/>
+              </a:ext>
+            </a:extLst>
+          </p:cNvPr>
+          <p:cNvGrpSpPr>
+            <a:grpSpLocks noGrp="1" noUngrp="1" noRot="1" noChangeAspect="1" noMove="1" noResize="1"/>
+          </p:cNvGrpSpPr>
+          <p:nvPr>
+            <p:extLst>
+              <p:ext uri="{386F3935-93C4-4BCD-93E2-E3B085C9AB24}">
+                <p16:designElem xmlns:p16="http://schemas.microsoft.com/office/powerpoint/2015/main" val="1"/>
+              </p:ext>
+            </p:extLst>
+          </p:nvPr>
+        </p:nvGrpSpPr>
+        <p:grpSpPr>
+          <a:xfrm flipH="1">
+            <a:off x="8223477" y="2358"/>
+            <a:ext cx="1407490" cy="1766008"/>
+            <a:chOff x="-648769" y="2358"/>
+            <a:chExt cx="1876653" cy="1766008"/>
+          </a:xfrm>
+        </p:grpSpPr>
+        <p:sp>
+          <p:nvSpPr>
+            <p:cNvPr id="13" name="Freeform: Shape 12">
+              <a:extLst>
+                <a:ext uri="{FF2B5EF4-FFF2-40B4-BE49-F238E27FC236}">
+                  <a16:creationId xmlns:a16="http://schemas.microsoft.com/office/drawing/2014/main" id="{C05EB894-9410-4B20-95E4-7A25101AB895}"/>
+                </a:ext>
+                <a:ext uri="{C183D7F6-B498-43B3-948B-1728B52AA6E4}">
+                  <adec:decorative xmlns:adec="http://schemas.microsoft.com/office/drawing/2017/decorative" val="1"/>
+                </a:ext>
+              </a:extLst>
+            </p:cNvPr>
+            <p:cNvSpPr/>
+            <p:nvPr>
+              <p:extLst>
+                <p:ext uri="{386F3935-93C4-4BCD-93E2-E3B085C9AB24}">
+                  <p16:designElem xmlns:p16="http://schemas.microsoft.com/office/powerpoint/2015/main" val="1"/>
+                </p:ext>
+              </p:extLst>
+            </p:nvPr>
+          </p:nvSpPr>
+          <p:spPr>
+            <a:xfrm rot="2700000">
+              <a:off x="-415188" y="-231223"/>
+              <a:ext cx="1409491" cy="1876653"/>
+            </a:xfrm>
+            <a:custGeom>
+              <a:avLst/>
+              <a:gdLst>
+                <a:gd name="connsiteX0" fmla="*/ 0 w 1409491"/>
+                <a:gd name="connsiteY0" fmla="*/ 643075 h 1876653"/>
+                <a:gd name="connsiteX1" fmla="*/ 643075 w 1409491"/>
+                <a:gd name="connsiteY1" fmla="*/ 0 h 1876653"/>
+                <a:gd name="connsiteX2" fmla="*/ 1409491 w 1409491"/>
+                <a:gd name="connsiteY2" fmla="*/ 0 h 1876653"/>
+                <a:gd name="connsiteX3" fmla="*/ 1409491 w 1409491"/>
+                <a:gd name="connsiteY3" fmla="*/ 1876653 h 1876653"/>
+                <a:gd name="connsiteX4" fmla="*/ 1233578 w 1409491"/>
+                <a:gd name="connsiteY4" fmla="*/ 1876653 h 1876653"/>
+              </a:gdLst>
+              <a:ahLst/>
+              <a:cxnLst>
+                <a:cxn ang="0">
+                  <a:pos x="connsiteX0" y="connsiteY0"/>
+                </a:cxn>
+                <a:cxn ang="0">
+                  <a:pos x="connsiteX1" y="connsiteY1"/>
+                </a:cxn>
+                <a:cxn ang="0">
+                  <a:pos x="connsiteX2" y="connsiteY2"/>
+                </a:cxn>
+                <a:cxn ang="0">
+                  <a:pos x="connsiteX3" y="connsiteY3"/>
+                </a:cxn>
+                <a:cxn ang="0">
+                  <a:pos x="connsiteX4" y="connsiteY4"/>
+                </a:cxn>
+              </a:cxnLst>
+              <a:rect l="l" t="t" r="r" b="b"/>
+              <a:pathLst>
+                <a:path w="1409491" h="1876653">
+                  <a:moveTo>
+                    <a:pt x="0" y="643075"/>
+                  </a:moveTo>
+                  <a:lnTo>
+                    <a:pt x="643075" y="0"/>
+                  </a:lnTo>
+                  <a:lnTo>
+                    <a:pt x="1409491" y="0"/>
+                  </a:lnTo>
+                  <a:lnTo>
+                    <a:pt x="1409491" y="1876653"/>
+                  </a:lnTo>
+                  <a:lnTo>
+                    <a:pt x="1233578" y="1876653"/>
+                  </a:lnTo>
+                  <a:close/>
+                </a:path>
+              </a:pathLst>
+            </a:custGeom>
+            <a:solidFill>
+              <a:schemeClr val="accent1">
+                <a:alpha val="30000"/>
+              </a:schemeClr>
+            </a:solidFill>
+            <a:ln>
+              <a:noFill/>
+            </a:ln>
+          </p:spPr>
+          <p:style>
+            <a:lnRef idx="2">
+              <a:schemeClr val="accent1">
+                <a:shade val="50000"/>
+              </a:schemeClr>
+            </a:lnRef>
+            <a:fillRef idx="1">
+              <a:schemeClr val="accent1"/>
+            </a:fillRef>
+            <a:effectRef idx="0">
+              <a:schemeClr val="accent1"/>
+            </a:effectRef>
+            <a:fontRef idx="minor">
+              <a:schemeClr val="lt1"/>
+            </a:fontRef>
+          </p:style>
+          <p:txBody>
+            <a:bodyPr rtlCol="0" anchor="ctr"/>
+            <a:lstStyle/>
+            <a:p>
+              <a:pPr algn="ctr"/>
+              <a:endParaRPr lang="en-US"/>
+            </a:p>
+          </p:txBody>
+        </p:sp>
+        <p:sp>
+          <p:nvSpPr>
+            <p:cNvPr id="14" name="Rectangle 13">
+              <a:extLst>
+                <a:ext uri="{FF2B5EF4-FFF2-40B4-BE49-F238E27FC236}">
+                  <a16:creationId xmlns:a16="http://schemas.microsoft.com/office/drawing/2014/main" id="{166E38B6-B050-4340-8E8F-3A971DADC031}"/>
+                </a:ext>
+                <a:ext uri="{C183D7F6-B498-43B3-948B-1728B52AA6E4}">
+                  <adec:decorative xmlns:adec="http://schemas.microsoft.com/office/drawing/2017/decorative" val="1"/>
+                </a:ext>
+              </a:extLst>
+            </p:cNvPr>
+            <p:cNvSpPr/>
+            <p:nvPr>
+              <p:extLst>
+                <p:ext uri="{386F3935-93C4-4BCD-93E2-E3B085C9AB24}">
+                  <p16:designElem xmlns:p16="http://schemas.microsoft.com/office/powerpoint/2015/main" val="1"/>
+                </p:ext>
+              </p:extLst>
+            </p:nvPr>
+          </p:nvSpPr>
+          <p:spPr>
+            <a:xfrm rot="2700000">
+              <a:off x="301285" y="1282788"/>
+              <a:ext cx="485578" cy="485578"/>
+            </a:xfrm>
+            <a:prstGeom prst="rect">
+              <a:avLst/>
+            </a:prstGeom>
+            <a:solidFill>
+              <a:schemeClr val="accent1">
+                <a:alpha val="30000"/>
+              </a:schemeClr>
+            </a:solidFill>
+            <a:ln>
+              <a:noFill/>
+            </a:ln>
+          </p:spPr>
+          <p:style>
+            <a:lnRef idx="2">
+              <a:schemeClr val="accent1">
+                <a:shade val="50000"/>
+              </a:schemeClr>
+            </a:lnRef>
+            <a:fillRef idx="1">
+              <a:schemeClr val="accent1"/>
+            </a:fillRef>
+            <a:effectRef idx="0">
+              <a:schemeClr val="accent1"/>
+            </a:effectRef>
+            <a:fontRef idx="minor">
+              <a:schemeClr val="lt1"/>
+            </a:fontRef>
+          </p:style>
+          <p:txBody>
+            <a:bodyPr rtlCol="0" anchor="ctr"/>
+            <a:lstStyle/>
+            <a:p>
+              <a:pPr algn="ctr"/>
+              <a:endParaRPr lang="en-US"/>
+            </a:p>
+          </p:txBody>
+        </p:sp>
+      </p:grpSp>
+      <p:sp>
+        <p:nvSpPr>
+          <p:cNvPr id="16" name="Rectangle 15">
+            <a:extLst>
+              <a:ext uri="{FF2B5EF4-FFF2-40B4-BE49-F238E27FC236}">
+                <a16:creationId xmlns:a16="http://schemas.microsoft.com/office/drawing/2014/main" id="{2E80C965-DB6D-4F81-9E9E-B027384D0BD6}"/>
+              </a:ext>
+              <a:ext uri="{C183D7F6-B498-43B3-948B-1728B52AA6E4}">
+                <adec:decorative xmlns:adec="http://schemas.microsoft.com/office/drawing/2017/decorative" val="1"/>
+              </a:ext>
+            </a:extLst>
+          </p:cNvPr>
+          <p:cNvSpPr>
+            <a:spLocks noGrp="1" noRot="1" noChangeAspect="1" noMove="1" noResize="1" noEditPoints="1" noAdjustHandles="1" noChangeArrowheads="1" noChangeShapeType="1" noTextEdit="1"/>
+          </p:cNvSpPr>
+          <p:nvPr>
+            <p:extLst>
+              <p:ext uri="{386F3935-93C4-4BCD-93E2-E3B085C9AB24}">
+                <p16:designElem xmlns:p16="http://schemas.microsoft.com/office/powerpoint/2015/main" val="1"/>
+              </p:ext>
+            </p:extLst>
+          </p:nvPr>
+        </p:nvSpPr>
+        <p:spPr>
+          <a:xfrm rot="2700000">
+            <a:off x="1972226" y="6114337"/>
+            <a:ext cx="645368" cy="484026"/>
+          </a:xfrm>
+          <a:prstGeom prst="rect">
+            <a:avLst/>
+          </a:prstGeom>
+          <a:solidFill>
+            <a:schemeClr val="accent4">
+              <a:alpha val="30000"/>
+            </a:schemeClr>
+          </a:solidFill>
+          <a:ln>
+            <a:noFill/>
+          </a:ln>
+        </p:spPr>
+        <p:style>
+          <a:lnRef idx="2">
+            <a:schemeClr val="accent1">
+              <a:shade val="50000"/>
+            </a:schemeClr>
+          </a:lnRef>
+          <a:fillRef idx="1">
+            <a:schemeClr val="accent1"/>
+          </a:fillRef>
+          <a:effectRef idx="0">
+            <a:schemeClr val="accent1"/>
+          </a:effectRef>
+          <a:fontRef idx="minor">
+            <a:schemeClr val="lt1"/>
+          </a:fontRef>
+        </p:style>
+        <p:txBody>
+          <a:bodyPr rtlCol="0" anchor="ctr"/>
+          <a:lstStyle/>
+          <a:p>
+            <a:pPr algn="ctr"/>
+            <a:endParaRPr lang="en-US"/>
+          </a:p>
+        </p:txBody>
+      </p:sp>
+      <p:sp>
+        <p:nvSpPr>
+          <p:cNvPr id="18" name="Isosceles Triangle 17">
+            <a:extLst>
+              <a:ext uri="{FF2B5EF4-FFF2-40B4-BE49-F238E27FC236}">
+                <a16:creationId xmlns:a16="http://schemas.microsoft.com/office/drawing/2014/main" id="{633C5E46-DAC5-4661-9C87-22B08E2A512F}"/>
+              </a:ext>
+              <a:ext uri="{C183D7F6-B498-43B3-948B-1728B52AA6E4}">
+                <adec:decorative xmlns:adec="http://schemas.microsoft.com/office/drawing/2017/decorative" val="1"/>
+              </a:ext>
+            </a:extLst>
+          </p:cNvPr>
+          <p:cNvSpPr>
+            <a:spLocks noGrp="1" noRot="1" noChangeAspect="1" noMove="1" noResize="1" noEditPoints="1" noAdjustHandles="1" noChangeArrowheads="1" noChangeShapeType="1" noTextEdit="1"/>
+          </p:cNvSpPr>
+          <p:nvPr>
+            <p:extLst>
+              <p:ext uri="{386F3935-93C4-4BCD-93E2-E3B085C9AB24}">
+                <p16:designElem xmlns:p16="http://schemas.microsoft.com/office/powerpoint/2015/main" val="1"/>
+              </p:ext>
+            </p:extLst>
+          </p:nvPr>
+        </p:nvSpPr>
+        <p:spPr>
+          <a:xfrm>
+            <a:off x="1007577" y="5721108"/>
+            <a:ext cx="1696473" cy="1136891"/>
+          </a:xfrm>
+          <a:prstGeom prst="triangle">
+            <a:avLst>
+              <a:gd name="adj" fmla="val 50000"/>
+            </a:avLst>
+          </a:prstGeom>
+          <a:solidFill>
+            <a:schemeClr val="accent4">
+              <a:alpha val="30000"/>
+            </a:schemeClr>
+          </a:solidFill>
+          <a:ln>
+            <a:noFill/>
+          </a:ln>
+        </p:spPr>
+        <p:style>
+          <a:lnRef idx="2">
+            <a:schemeClr val="accent1">
+              <a:shade val="50000"/>
+            </a:schemeClr>
+          </a:lnRef>
+          <a:fillRef idx="1">
+            <a:schemeClr val="accent1"/>
+          </a:fillRef>
+          <a:effectRef idx="0">
+            <a:schemeClr val="accent1"/>
+          </a:effectRef>
+          <a:fontRef idx="minor">
+            <a:schemeClr val="lt1"/>
+          </a:fontRef>
+        </p:style>
+        <p:txBody>
+          <a:bodyPr rtlCol="0" anchor="ctr"/>
+          <a:lstStyle/>
+          <a:p>
+            <a:pPr algn="ctr"/>
+            <a:endParaRPr lang="en-US"/>
+          </a:p>
+        </p:txBody>
+      </p:sp>
+      <p:pic>
+        <p:nvPicPr>
+          <p:cNvPr id="5" name="Picture 4" descr="A graph of a number of movies&#10;&#10;AI-generated content may be incorrect.">
+            <a:extLst>
+              <a:ext uri="{FF2B5EF4-FFF2-40B4-BE49-F238E27FC236}">
+                <a16:creationId xmlns:a16="http://schemas.microsoft.com/office/drawing/2014/main" id="{CB07ECC1-E982-FF21-7A2C-A27E7ECE8237}"/>
+              </a:ext>
+            </a:extLst>
+          </p:cNvPr>
+          <p:cNvPicPr>
+            <a:picLocks noChangeAspect="1"/>
+          </p:cNvPicPr>
+          <p:nvPr/>
+        </p:nvPicPr>
+        <p:blipFill>
+          <a:blip r:embed="rId2"/>
+          <a:stretch>
+            <a:fillRect/>
+          </a:stretch>
+        </p:blipFill>
+        <p:spPr>
+          <a:xfrm>
+            <a:off x="482600" y="1230947"/>
+            <a:ext cx="8178799" cy="4396104"/>
+          </a:xfrm>
+          <a:prstGeom prst="rect">
+            <a:avLst/>
+          </a:prstGeom>
+          <a:ln>
+            <a:noFill/>
+          </a:ln>
+        </p:spPr>
+      </p:pic>
+    </p:spTree>
+    <p:extLst>
+      <p:ext uri="{BB962C8B-B14F-4D97-AF65-F5344CB8AC3E}">
+        <p14:creationId xmlns:p14="http://schemas.microsoft.com/office/powerpoint/2010/main" val="985008126"/>
+      </p:ext>
+    </p:extLst>
+  </p:cSld>
+  <p:clrMapOvr>
+    <a:masterClrMapping/>
+  </p:clrMapOvr>
+</p:sld>
+</file>
+
+<file path=ppt/slides/slide11.xml><?xml version="1.0" encoding="utf-8"?>
+<p:sld xmlns:a="http://schemas.openxmlformats.org/drawingml/2006/main" xmlns:r="http://schemas.openxmlformats.org/officeDocument/2006/relationships" xmlns:p="http://schemas.openxmlformats.org/presentationml/2006/main">
+  <p:cSld>
+    <p:bg>
+      <p:bgPr>
+        <a:solidFill>
+          <a:schemeClr val="bg1"/>
+        </a:solidFill>
+        <a:effectLst/>
+      </p:bgPr>
+    </p:bg>
+    <p:spTree>
+      <p:nvGrpSpPr>
+        <p:cNvPr id="1" name="">
+          <a:extLst>
+            <a:ext uri="{FF2B5EF4-FFF2-40B4-BE49-F238E27FC236}">
+              <a16:creationId xmlns:a16="http://schemas.microsoft.com/office/drawing/2014/main" id="{BE7CB9F2-58C2-AA43-626D-70BBAE6CBCCC}"/>
+            </a:ext>
+          </a:extLst>
+        </p:cNvPr>
+        <p:cNvGrpSpPr/>
+        <p:nvPr/>
+      </p:nvGrpSpPr>
+      <p:grpSpPr>
+        <a:xfrm>
+          <a:off x="0" y="0"/>
+          <a:ext cx="0" cy="0"/>
+          <a:chOff x="0" y="0"/>
+          <a:chExt cx="0" cy="0"/>
+        </a:xfrm>
+      </p:grpSpPr>
+      <p:sp>
+        <p:nvSpPr>
+          <p:cNvPr id="10" name="Rectangle 9">
+            <a:extLst>
+              <a:ext uri="{FF2B5EF4-FFF2-40B4-BE49-F238E27FC236}">
+                <a16:creationId xmlns:a16="http://schemas.microsoft.com/office/drawing/2014/main" id="{F3060C83-F051-4F0E-ABAD-AA0DFC48B218}"/>
+              </a:ext>
+              <a:ext uri="{C183D7F6-B498-43B3-948B-1728B52AA6E4}">
+                <adec:decorative xmlns:adec="http://schemas.microsoft.com/office/drawing/2017/decorative" val="1"/>
+              </a:ext>
+            </a:extLst>
+          </p:cNvPr>
+          <p:cNvSpPr>
+            <a:spLocks noGrp="1" noRot="1" noChangeAspect="1" noMove="1" noResize="1" noEditPoints="1" noAdjustHandles="1" noChangeArrowheads="1" noChangeShapeType="1" noTextEdit="1"/>
+          </p:cNvSpPr>
+          <p:nvPr>
+            <p:extLst>
+              <p:ext uri="{386F3935-93C4-4BCD-93E2-E3B085C9AB24}">
+                <p16:designElem xmlns:p16="http://schemas.microsoft.com/office/powerpoint/2015/main" val="1"/>
+              </p:ext>
+            </p:extLst>
+          </p:nvPr>
+        </p:nvSpPr>
+        <p:spPr>
+          <a:xfrm>
+            <a:off x="0" y="0"/>
+            <a:ext cx="9144000" cy="6858000"/>
+          </a:xfrm>
+          <a:prstGeom prst="rect">
+            <a:avLst/>
+          </a:prstGeom>
+          <a:solidFill>
+            <a:schemeClr val="bg1"/>
+          </a:solidFill>
+          <a:ln>
+            <a:noFill/>
+          </a:ln>
+        </p:spPr>
+        <p:style>
+          <a:lnRef idx="2">
+            <a:schemeClr val="accent1">
+              <a:shade val="50000"/>
+            </a:schemeClr>
+          </a:lnRef>
+          <a:fillRef idx="1">
+            <a:schemeClr val="accent1"/>
+          </a:fillRef>
+          <a:effectRef idx="0">
+            <a:schemeClr val="accent1"/>
+          </a:effectRef>
+          <a:fontRef idx="minor">
+            <a:schemeClr val="lt1"/>
+          </a:fontRef>
+        </p:style>
+        <p:txBody>
+          <a:bodyPr rtlCol="0" anchor="ctr"/>
+          <a:lstStyle/>
+          <a:p>
+            <a:pPr algn="ctr"/>
+            <a:endParaRPr lang="en-US" dirty="0"/>
+          </a:p>
+        </p:txBody>
+      </p:sp>
+      <p:sp>
+        <p:nvSpPr>
+          <p:cNvPr id="12" name="Freeform: Shape 11">
+            <a:extLst>
+              <a:ext uri="{FF2B5EF4-FFF2-40B4-BE49-F238E27FC236}">
+                <a16:creationId xmlns:a16="http://schemas.microsoft.com/office/drawing/2014/main" id="{83C98ABE-055B-441F-B07E-44F97F083C39}"/>
+              </a:ext>
+              <a:ext uri="{C183D7F6-B498-43B3-948B-1728B52AA6E4}">
+                <adec:decorative xmlns:adec="http://schemas.microsoft.com/office/drawing/2017/decorative" val="1"/>
+              </a:ext>
+            </a:extLst>
+          </p:cNvPr>
+          <p:cNvSpPr>
+            <a:spLocks noGrp="1" noRot="1" noChangeAspect="1" noMove="1" noResize="1" noEditPoints="1" noAdjustHandles="1" noChangeArrowheads="1" noChangeShapeType="1" noTextEdit="1"/>
+          </p:cNvSpPr>
+          <p:nvPr>
+            <p:extLst>
+              <p:ext uri="{386F3935-93C4-4BCD-93E2-E3B085C9AB24}">
+                <p16:designElem xmlns:p16="http://schemas.microsoft.com/office/powerpoint/2015/main" val="1"/>
+              </p:ext>
+            </p:extLst>
+          </p:nvPr>
+        </p:nvSpPr>
+        <p:spPr>
+          <a:xfrm rot="18900000" flipH="1">
+            <a:off x="-282117" y="-253670"/>
+            <a:ext cx="1370728" cy="1376989"/>
+          </a:xfrm>
+          <a:custGeom>
+            <a:avLst/>
+            <a:gdLst>
+              <a:gd name="connsiteX0" fmla="*/ 0 w 1827638"/>
+              <a:gd name="connsiteY0" fmla="*/ 987379 h 1376989"/>
+              <a:gd name="connsiteX1" fmla="*/ 987379 w 1827638"/>
+              <a:gd name="connsiteY1" fmla="*/ 0 h 1376989"/>
+              <a:gd name="connsiteX2" fmla="*/ 1827638 w 1827638"/>
+              <a:gd name="connsiteY2" fmla="*/ 840260 h 1376989"/>
+              <a:gd name="connsiteX3" fmla="*/ 1827638 w 1827638"/>
+              <a:gd name="connsiteY3" fmla="*/ 1376989 h 1376989"/>
+              <a:gd name="connsiteX4" fmla="*/ 0 w 1827638"/>
+              <a:gd name="connsiteY4" fmla="*/ 1376989 h 1376989"/>
+            </a:gdLst>
+            <a:ahLst/>
+            <a:cxnLst>
+              <a:cxn ang="0">
+                <a:pos x="connsiteX0" y="connsiteY0"/>
+              </a:cxn>
+              <a:cxn ang="0">
+                <a:pos x="connsiteX1" y="connsiteY1"/>
+              </a:cxn>
+              <a:cxn ang="0">
+                <a:pos x="connsiteX2" y="connsiteY2"/>
+              </a:cxn>
+              <a:cxn ang="0">
+                <a:pos x="connsiteX3" y="connsiteY3"/>
+              </a:cxn>
+              <a:cxn ang="0">
+                <a:pos x="connsiteX4" y="connsiteY4"/>
+              </a:cxn>
+            </a:cxnLst>
+            <a:rect l="l" t="t" r="r" b="b"/>
+            <a:pathLst>
+              <a:path w="1827638" h="1376989">
+                <a:moveTo>
+                  <a:pt x="0" y="987379"/>
+                </a:moveTo>
+                <a:lnTo>
+                  <a:pt x="987379" y="0"/>
+                </a:lnTo>
+                <a:lnTo>
+                  <a:pt x="1827638" y="840260"/>
+                </a:lnTo>
+                <a:lnTo>
+                  <a:pt x="1827638" y="1376989"/>
+                </a:lnTo>
+                <a:lnTo>
+                  <a:pt x="0" y="1376989"/>
+                </a:lnTo>
+                <a:close/>
+              </a:path>
+            </a:pathLst>
+          </a:custGeom>
+          <a:solidFill>
+            <a:schemeClr val="accent1">
+              <a:alpha val="30000"/>
+            </a:schemeClr>
+          </a:solidFill>
+          <a:ln>
+            <a:noFill/>
+          </a:ln>
+        </p:spPr>
+        <p:style>
+          <a:lnRef idx="2">
+            <a:schemeClr val="accent1">
+              <a:shade val="50000"/>
+            </a:schemeClr>
+          </a:lnRef>
+          <a:fillRef idx="1">
+            <a:schemeClr val="accent1"/>
+          </a:fillRef>
+          <a:effectRef idx="0">
+            <a:schemeClr val="accent1"/>
+          </a:effectRef>
+          <a:fontRef idx="minor">
+            <a:schemeClr val="lt1"/>
+          </a:fontRef>
+        </p:style>
+        <p:txBody>
+          <a:bodyPr rtlCol="0" anchor="ctr"/>
+          <a:lstStyle/>
+          <a:p>
+            <a:pPr algn="ctr"/>
+            <a:endParaRPr lang="en-US" dirty="0"/>
+          </a:p>
+        </p:txBody>
+      </p:sp>
+      <p:sp>
+        <p:nvSpPr>
+          <p:cNvPr id="14" name="Rectangle 13">
+            <a:extLst>
+              <a:ext uri="{FF2B5EF4-FFF2-40B4-BE49-F238E27FC236}">
+                <a16:creationId xmlns:a16="http://schemas.microsoft.com/office/drawing/2014/main" id="{29FDB030-9B49-4CED-8CCD-4D99382388AC}"/>
+              </a:ext>
+              <a:ext uri="{C183D7F6-B498-43B3-948B-1728B52AA6E4}">
+                <adec:decorative xmlns:adec="http://schemas.microsoft.com/office/drawing/2017/decorative" val="1"/>
+              </a:ext>
+            </a:extLst>
+          </p:cNvPr>
+          <p:cNvSpPr>
+            <a:spLocks noGrp="1" noRot="1" noChangeAspect="1" noMove="1" noResize="1" noEditPoints="1" noAdjustHandles="1" noChangeArrowheads="1" noChangeShapeType="1" noTextEdit="1"/>
+          </p:cNvSpPr>
+          <p:nvPr>
+            <p:extLst>
+              <p:ext uri="{386F3935-93C4-4BCD-93E2-E3B085C9AB24}">
+                <p16:designElem xmlns:p16="http://schemas.microsoft.com/office/powerpoint/2015/main" val="1"/>
+              </p:ext>
+            </p:extLst>
+          </p:nvPr>
+        </p:nvSpPr>
+        <p:spPr>
+          <a:xfrm rot="18900000" flipH="1">
+            <a:off x="668730" y="422146"/>
+            <a:ext cx="484026" cy="645368"/>
+          </a:xfrm>
+          <a:prstGeom prst="rect">
+            <a:avLst/>
+          </a:prstGeom>
+          <a:solidFill>
+            <a:schemeClr val="accent1">
+              <a:alpha val="30000"/>
+            </a:schemeClr>
+          </a:solidFill>
+          <a:ln>
+            <a:noFill/>
+          </a:ln>
+        </p:spPr>
+        <p:style>
+          <a:lnRef idx="2">
+            <a:schemeClr val="accent1">
+              <a:shade val="50000"/>
+            </a:schemeClr>
+          </a:lnRef>
+          <a:fillRef idx="1">
+            <a:schemeClr val="accent1"/>
+          </a:fillRef>
+          <a:effectRef idx="0">
+            <a:schemeClr val="accent1"/>
+          </a:effectRef>
+          <a:fontRef idx="minor">
+            <a:schemeClr val="lt1"/>
+          </a:fontRef>
+        </p:style>
+        <p:txBody>
+          <a:bodyPr rtlCol="0" anchor="ctr"/>
+          <a:lstStyle/>
+          <a:p>
+            <a:pPr algn="ctr"/>
+            <a:endParaRPr lang="en-US"/>
+          </a:p>
+        </p:txBody>
+      </p:sp>
+      <p:sp>
+        <p:nvSpPr>
+          <p:cNvPr id="16" name="Rectangle 15">
+            <a:extLst>
+              <a:ext uri="{FF2B5EF4-FFF2-40B4-BE49-F238E27FC236}">
+                <a16:creationId xmlns:a16="http://schemas.microsoft.com/office/drawing/2014/main" id="{3783CA14-24A1-485C-8B30-D6A5D87987AD}"/>
+              </a:ext>
+              <a:ext uri="{C183D7F6-B498-43B3-948B-1728B52AA6E4}">
+                <adec:decorative xmlns:adec="http://schemas.microsoft.com/office/drawing/2017/decorative" val="1"/>
+              </a:ext>
+            </a:extLst>
+          </p:cNvPr>
+          <p:cNvSpPr>
+            <a:spLocks noGrp="1" noRot="1" noChangeAspect="1" noMove="1" noResize="1" noEditPoints="1" noAdjustHandles="1" noChangeArrowheads="1" noChangeShapeType="1" noTextEdit="1"/>
+          </p:cNvSpPr>
+          <p:nvPr>
+            <p:extLst>
+              <p:ext uri="{386F3935-93C4-4BCD-93E2-E3B085C9AB24}">
+                <p16:designElem xmlns:p16="http://schemas.microsoft.com/office/powerpoint/2015/main" val="1"/>
+              </p:ext>
+            </p:extLst>
+          </p:nvPr>
+        </p:nvSpPr>
+        <p:spPr>
+          <a:xfrm rot="18900000" flipH="1">
+            <a:off x="7532611" y="655140"/>
+            <a:ext cx="515604" cy="687472"/>
+          </a:xfrm>
+          <a:prstGeom prst="rect">
+            <a:avLst/>
+          </a:prstGeom>
+          <a:solidFill>
+            <a:schemeClr val="accent4">
+              <a:alpha val="30000"/>
+            </a:schemeClr>
+          </a:solidFill>
+          <a:ln>
+            <a:noFill/>
+          </a:ln>
+        </p:spPr>
+        <p:style>
+          <a:lnRef idx="2">
+            <a:schemeClr val="accent1">
+              <a:shade val="50000"/>
+            </a:schemeClr>
+          </a:lnRef>
+          <a:fillRef idx="1">
+            <a:schemeClr val="accent1"/>
+          </a:fillRef>
+          <a:effectRef idx="0">
+            <a:schemeClr val="accent1"/>
+          </a:effectRef>
+          <a:fontRef idx="minor">
+            <a:schemeClr val="lt1"/>
+          </a:fontRef>
+        </p:style>
+        <p:txBody>
+          <a:bodyPr rtlCol="0" anchor="ctr"/>
+          <a:lstStyle/>
+          <a:p>
+            <a:pPr algn="ctr"/>
+            <a:endParaRPr lang="en-US"/>
+          </a:p>
+        </p:txBody>
+      </p:sp>
+      <p:sp>
+        <p:nvSpPr>
+          <p:cNvPr id="18" name="Freeform: Shape 17">
+            <a:extLst>
+              <a:ext uri="{FF2B5EF4-FFF2-40B4-BE49-F238E27FC236}">
+                <a16:creationId xmlns:a16="http://schemas.microsoft.com/office/drawing/2014/main" id="{9A97C86A-04D6-40F7-AE84-31AB43E6A846}"/>
+              </a:ext>
+              <a:ext uri="{C183D7F6-B498-43B3-948B-1728B52AA6E4}">
+                <adec:decorative xmlns:adec="http://schemas.microsoft.com/office/drawing/2017/decorative" val="1"/>
+              </a:ext>
+            </a:extLst>
+          </p:cNvPr>
+          <p:cNvSpPr>
+            <a:spLocks noGrp="1" noRot="1" noChangeAspect="1" noMove="1" noResize="1" noEditPoints="1" noAdjustHandles="1" noChangeArrowheads="1" noChangeShapeType="1" noTextEdit="1"/>
+          </p:cNvSpPr>
+          <p:nvPr>
+            <p:extLst>
+              <p:ext uri="{386F3935-93C4-4BCD-93E2-E3B085C9AB24}">
+                <p16:designElem xmlns:p16="http://schemas.microsoft.com/office/powerpoint/2015/main" val="1"/>
+              </p:ext>
+            </p:extLst>
+          </p:nvPr>
+        </p:nvSpPr>
+        <p:spPr>
+          <a:xfrm rot="10800000" flipH="1">
+            <a:off x="7017482" y="0"/>
+            <a:ext cx="2126518" cy="1480837"/>
+          </a:xfrm>
+          <a:custGeom>
+            <a:avLst/>
+            <a:gdLst>
+              <a:gd name="connsiteX0" fmla="*/ 2835357 w 2835357"/>
+              <a:gd name="connsiteY0" fmla="*/ 1480837 h 1480837"/>
+              <a:gd name="connsiteX1" fmla="*/ 0 w 2835357"/>
+              <a:gd name="connsiteY1" fmla="*/ 1480837 h 1480837"/>
+              <a:gd name="connsiteX2" fmla="*/ 1552727 w 2835357"/>
+              <a:gd name="connsiteY2" fmla="*/ 0 h 1480837"/>
+              <a:gd name="connsiteX3" fmla="*/ 2835357 w 2835357"/>
+              <a:gd name="connsiteY3" fmla="*/ 1223245 h 1480837"/>
+            </a:gdLst>
+            <a:ahLst/>
+            <a:cxnLst>
+              <a:cxn ang="0">
+                <a:pos x="connsiteX0" y="connsiteY0"/>
+              </a:cxn>
+              <a:cxn ang="0">
+                <a:pos x="connsiteX1" y="connsiteY1"/>
+              </a:cxn>
+              <a:cxn ang="0">
+                <a:pos x="connsiteX2" y="connsiteY2"/>
+              </a:cxn>
+              <a:cxn ang="0">
+                <a:pos x="connsiteX3" y="connsiteY3"/>
+              </a:cxn>
+            </a:cxnLst>
+            <a:rect l="l" t="t" r="r" b="b"/>
+            <a:pathLst>
+              <a:path w="2835357" h="1480837">
+                <a:moveTo>
+                  <a:pt x="2835357" y="1480837"/>
+                </a:moveTo>
+                <a:lnTo>
+                  <a:pt x="0" y="1480837"/>
+                </a:lnTo>
+                <a:lnTo>
+                  <a:pt x="1552727" y="0"/>
+                </a:lnTo>
+                <a:lnTo>
+                  <a:pt x="2835357" y="1223245"/>
+                </a:lnTo>
+                <a:close/>
+              </a:path>
+            </a:pathLst>
+          </a:custGeom>
+          <a:solidFill>
+            <a:schemeClr val="accent4">
+              <a:alpha val="30000"/>
+            </a:schemeClr>
+          </a:solidFill>
+          <a:ln>
+            <a:noFill/>
+          </a:ln>
+        </p:spPr>
+        <p:style>
+          <a:lnRef idx="2">
+            <a:schemeClr val="accent1">
+              <a:shade val="50000"/>
+            </a:schemeClr>
+          </a:lnRef>
+          <a:fillRef idx="1">
+            <a:schemeClr val="accent1"/>
+          </a:fillRef>
+          <a:effectRef idx="0">
+            <a:schemeClr val="accent1"/>
+          </a:effectRef>
+          <a:fontRef idx="minor">
+            <a:schemeClr val="lt1"/>
+          </a:fontRef>
+        </p:style>
+        <p:txBody>
+          <a:bodyPr wrap="square" rtlCol="0" anchor="ctr">
+            <a:noAutofit/>
+          </a:bodyPr>
+          <a:lstStyle/>
+          <a:p>
+            <a:pPr algn="ctr"/>
+            <a:endParaRPr lang="en-US" dirty="0"/>
+          </a:p>
+        </p:txBody>
+      </p:sp>
+      <p:sp>
+        <p:nvSpPr>
+          <p:cNvPr id="20" name="Isosceles Triangle 19">
+            <a:extLst>
+              <a:ext uri="{FF2B5EF4-FFF2-40B4-BE49-F238E27FC236}">
+                <a16:creationId xmlns:a16="http://schemas.microsoft.com/office/drawing/2014/main" id="{FF9F2414-84E8-453E-B1F3-389FDE8192D9}"/>
+              </a:ext>
+              <a:ext uri="{C183D7F6-B498-43B3-948B-1728B52AA6E4}">
+                <adec:decorative xmlns:adec="http://schemas.microsoft.com/office/drawing/2017/decorative" val="1"/>
+              </a:ext>
+            </a:extLst>
+          </p:cNvPr>
+          <p:cNvSpPr>
+            <a:spLocks noGrp="1" noRot="1" noChangeAspect="1" noMove="1" noResize="1" noEditPoints="1" noAdjustHandles="1" noChangeArrowheads="1" noChangeShapeType="1" noTextEdit="1"/>
+          </p:cNvSpPr>
+          <p:nvPr>
+            <p:extLst>
+              <p:ext uri="{386F3935-93C4-4BCD-93E2-E3B085C9AB24}">
+                <p16:designElem xmlns:p16="http://schemas.microsoft.com/office/powerpoint/2015/main" val="1"/>
+              </p:ext>
+            </p:extLst>
+          </p:nvPr>
+        </p:nvSpPr>
+        <p:spPr>
+          <a:xfrm flipH="1">
+            <a:off x="5982258" y="6115501"/>
+            <a:ext cx="1120884" cy="742499"/>
+          </a:xfrm>
+          <a:prstGeom prst="triangle">
+            <a:avLst/>
+          </a:prstGeom>
+          <a:solidFill>
+            <a:schemeClr val="accent1">
+              <a:alpha val="30000"/>
+            </a:schemeClr>
+          </a:solidFill>
+          <a:ln>
+            <a:noFill/>
+          </a:ln>
+        </p:spPr>
+        <p:style>
+          <a:lnRef idx="2">
+            <a:schemeClr val="accent1">
+              <a:shade val="50000"/>
+            </a:schemeClr>
+          </a:lnRef>
+          <a:fillRef idx="1">
+            <a:schemeClr val="accent1"/>
+          </a:fillRef>
+          <a:effectRef idx="0">
+            <a:schemeClr val="accent1"/>
+          </a:effectRef>
+          <a:fontRef idx="minor">
+            <a:schemeClr val="lt1"/>
+          </a:fontRef>
+        </p:style>
+        <p:txBody>
+          <a:bodyPr rtlCol="0" anchor="ctr"/>
+          <a:lstStyle/>
+          <a:p>
+            <a:pPr algn="ctr"/>
+            <a:endParaRPr lang="en-US"/>
+          </a:p>
+        </p:txBody>
+      </p:sp>
+      <p:pic>
+        <p:nvPicPr>
+          <p:cNvPr id="5" name="Picture 4" descr="A graph with different colored bars&#10;&#10;AI-generated content may be incorrect.">
+            <a:extLst>
+              <a:ext uri="{FF2B5EF4-FFF2-40B4-BE49-F238E27FC236}">
+                <a16:creationId xmlns:a16="http://schemas.microsoft.com/office/drawing/2014/main" id="{10DA823D-3AFF-D91E-FD68-60984C98ADBF}"/>
+              </a:ext>
+            </a:extLst>
+          </p:cNvPr>
+          <p:cNvPicPr>
+            <a:picLocks noChangeAspect="1"/>
+          </p:cNvPicPr>
+          <p:nvPr/>
+        </p:nvPicPr>
+        <p:blipFill>
+          <a:blip r:embed="rId2"/>
+          <a:stretch>
+            <a:fillRect/>
+          </a:stretch>
+        </p:blipFill>
+        <p:spPr>
+          <a:xfrm>
+            <a:off x="482600" y="1230947"/>
+            <a:ext cx="8178799" cy="4396104"/>
+          </a:xfrm>
+          <a:prstGeom prst="rect">
+            <a:avLst/>
+          </a:prstGeom>
+          <a:ln>
+            <a:noFill/>
+          </a:ln>
+        </p:spPr>
+      </p:pic>
+      <p:sp>
+        <p:nvSpPr>
+          <p:cNvPr id="22" name="Isosceles Triangle 21">
+            <a:extLst>
+              <a:ext uri="{FF2B5EF4-FFF2-40B4-BE49-F238E27FC236}">
+                <a16:creationId xmlns:a16="http://schemas.microsoft.com/office/drawing/2014/main" id="{3ECA69A1-7536-43AC-85EF-C7106179F5ED}"/>
+              </a:ext>
+              <a:ext uri="{C183D7F6-B498-43B3-948B-1728B52AA6E4}">
+                <adec:decorative xmlns:adec="http://schemas.microsoft.com/office/drawing/2017/decorative" val="1"/>
+              </a:ext>
+            </a:extLst>
+          </p:cNvPr>
+          <p:cNvSpPr>
+            <a:spLocks noGrp="1" noRot="1" noChangeAspect="1" noMove="1" noResize="1" noEditPoints="1" noAdjustHandles="1" noChangeArrowheads="1" noChangeShapeType="1" noTextEdit="1"/>
+          </p:cNvSpPr>
+          <p:nvPr>
+            <p:extLst>
+              <p:ext uri="{386F3935-93C4-4BCD-93E2-E3B085C9AB24}">
+                <p16:designElem xmlns:p16="http://schemas.microsoft.com/office/powerpoint/2015/main" val="1"/>
+              </p:ext>
+            </p:extLst>
+          </p:nvPr>
+        </p:nvSpPr>
+        <p:spPr>
+          <a:xfrm flipH="1">
+            <a:off x="5703060" y="6453143"/>
+            <a:ext cx="611177" cy="404857"/>
+          </a:xfrm>
+          <a:prstGeom prst="triangle">
+            <a:avLst/>
+          </a:prstGeom>
+          <a:solidFill>
+            <a:schemeClr val="accent1">
+              <a:alpha val="30000"/>
+            </a:schemeClr>
+          </a:solidFill>
+          <a:ln>
+            <a:noFill/>
+          </a:ln>
+        </p:spPr>
+        <p:style>
+          <a:lnRef idx="2">
+            <a:schemeClr val="accent1">
+              <a:shade val="50000"/>
+            </a:schemeClr>
+          </a:lnRef>
+          <a:fillRef idx="1">
+            <a:schemeClr val="accent1"/>
+          </a:fillRef>
+          <a:effectRef idx="0">
+            <a:schemeClr val="accent1"/>
+          </a:effectRef>
+          <a:fontRef idx="minor">
+            <a:schemeClr val="lt1"/>
+          </a:fontRef>
+        </p:style>
+        <p:txBody>
+          <a:bodyPr rtlCol="0" anchor="ctr"/>
+          <a:lstStyle/>
+          <a:p>
+            <a:pPr algn="ctr"/>
+            <a:endParaRPr lang="en-US"/>
+          </a:p>
+        </p:txBody>
+      </p:sp>
+    </p:spTree>
+    <p:extLst>
+      <p:ext uri="{BB962C8B-B14F-4D97-AF65-F5344CB8AC3E}">
+        <p14:creationId xmlns:p14="http://schemas.microsoft.com/office/powerpoint/2010/main" val="2977906977"/>
+      </p:ext>
+    </p:extLst>
+  </p:cSld>
+  <p:clrMapOvr>
+    <a:masterClrMapping/>
+  </p:clrMapOvr>
+</p:sld>
+</file>
+
+<file path=ppt/slides/slide12.xml><?xml version="1.0" encoding="utf-8"?>
+<p:sld xmlns:a="http://schemas.openxmlformats.org/drawingml/2006/main" xmlns:r="http://schemas.openxmlformats.org/officeDocument/2006/relationships" xmlns:p="http://schemas.openxmlformats.org/presentationml/2006/main">
+  <p:cSld>
+    <p:spTree>
+      <p:nvGrpSpPr>
+        <p:cNvPr id="1" name=""/>
+        <p:cNvGrpSpPr/>
+        <p:nvPr/>
+      </p:nvGrpSpPr>
+      <p:grpSpPr>
+        <a:xfrm>
+          <a:off x="0" y="0"/>
+          <a:ext cx="0" cy="0"/>
+          <a:chOff x="0" y="0"/>
+          <a:chExt cx="0" cy="0"/>
+        </a:xfrm>
+      </p:grpSpPr>
+      <p:graphicFrame>
+        <p:nvGraphicFramePr>
+          <p:cNvPr id="5" name="Content Placeholder 2">
+            <a:extLst>
+              <a:ext uri="{FF2B5EF4-FFF2-40B4-BE49-F238E27FC236}">
+                <a16:creationId xmlns:a16="http://schemas.microsoft.com/office/drawing/2014/main" id="{A488F114-116A-5B7B-FB7A-C3D739780F3B}"/>
+              </a:ext>
+            </a:extLst>
+          </p:cNvPr>
+          <p:cNvGraphicFramePr>
+            <a:graphicFrameLocks noGrp="1"/>
+          </p:cNvGraphicFramePr>
+          <p:nvPr>
+            <p:ph idx="1"/>
+          </p:nvPr>
+        </p:nvGraphicFramePr>
+        <p:xfrm>
+          <a:off x="457200" y="1600200"/>
+          <a:ext cx="8229600" cy="4525963"/>
+        </p:xfrm>
+        <a:graphic>
+          <a:graphicData uri="http://schemas.openxmlformats.org/drawingml/2006/diagram">
+            <dgm:relIds xmlns:dgm="http://schemas.openxmlformats.org/drawingml/2006/diagram" xmlns:r="http://schemas.openxmlformats.org/officeDocument/2006/relationships" r:dm="rId2" r:lo="rId3" r:qs="rId4" r:cs="rId5"/>
+          </a:graphicData>
+        </a:graphic>
+      </p:graphicFrame>
+    </p:spTree>
+    <p:extLst>
+      <p:ext uri="{BB962C8B-B14F-4D97-AF65-F5344CB8AC3E}">
+        <p14:creationId xmlns:p14="http://schemas.microsoft.com/office/powerpoint/2010/main" val="2585355477"/>
+      </p:ext>
+    </p:extLst>
   </p:cSld>
   <p:clrMapOvr>
     <a:masterClrMapping/>
@@ -28969,6 +30136,14 @@
 <file path=ppt/slides/slide8.xml><?xml version="1.0" encoding="utf-8"?>
 <p:sld xmlns:a="http://schemas.openxmlformats.org/drawingml/2006/main" xmlns:r="http://schemas.openxmlformats.org/officeDocument/2006/relationships" xmlns:p="http://schemas.openxmlformats.org/presentationml/2006/main">
   <p:cSld>
+    <p:bg>
+      <p:bgPr>
+        <a:solidFill>
+          <a:schemeClr val="bg1"/>
+        </a:solidFill>
+        <a:effectLst/>
+      </p:bgPr>
+    </p:bg>
     <p:spTree>
       <p:nvGrpSpPr>
         <p:cNvPr id="1" name=""/>
@@ -28983,36 +30158,913 @@
           <a:chExt cx="0" cy="0"/>
         </a:xfrm>
       </p:grpSpPr>
-      <p:graphicFrame>
-        <p:nvGraphicFramePr>
-          <p:cNvPr id="5" name="Content Placeholder 2">
+      <p:sp useBgFill="1">
+        <p:nvSpPr>
+          <p:cNvPr id="7" name="Rectangle 6">
             <a:extLst>
               <a:ext uri="{FF2B5EF4-FFF2-40B4-BE49-F238E27FC236}">
-                <a16:creationId xmlns:a16="http://schemas.microsoft.com/office/drawing/2014/main" id="{A488F114-116A-5B7B-FB7A-C3D739780F3B}"/>
+                <a16:creationId xmlns:a16="http://schemas.microsoft.com/office/drawing/2014/main" id="{5463EB0A-3D7C-4AA5-BFA5-8EE5B4BA5624}"/>
+              </a:ext>
+              <a:ext uri="{C183D7F6-B498-43B3-948B-1728B52AA6E4}">
+                <adec:decorative xmlns:adec="http://schemas.microsoft.com/office/drawing/2017/decorative" val="1"/>
               </a:ext>
             </a:extLst>
           </p:cNvPr>
-          <p:cNvGraphicFramePr>
-            <a:graphicFrameLocks noGrp="1"/>
-          </p:cNvGraphicFramePr>
+          <p:cNvSpPr>
+            <a:spLocks noGrp="1" noRot="1" noChangeAspect="1" noMove="1" noResize="1" noEditPoints="1" noAdjustHandles="1" noChangeArrowheads="1" noChangeShapeType="1" noTextEdit="1"/>
+          </p:cNvSpPr>
           <p:nvPr>
-            <p:ph idx="1"/>
+            <p:extLst>
+              <p:ext uri="{386F3935-93C4-4BCD-93E2-E3B085C9AB24}">
+                <p16:designElem xmlns:p16="http://schemas.microsoft.com/office/powerpoint/2015/main" val="1"/>
+              </p:ext>
+            </p:extLst>
           </p:nvPr>
-        </p:nvGraphicFramePr>
-        <p:xfrm>
-          <a:off x="457200" y="1600200"/>
-          <a:ext cx="8229600" cy="4525963"/>
-        </p:xfrm>
-        <a:graphic>
-          <a:graphicData uri="http://schemas.openxmlformats.org/drawingml/2006/diagram">
-            <dgm:relIds xmlns:dgm="http://schemas.openxmlformats.org/drawingml/2006/diagram" xmlns:r="http://schemas.openxmlformats.org/officeDocument/2006/relationships" r:dm="rId2" r:lo="rId3" r:qs="rId4" r:cs="rId5"/>
-          </a:graphicData>
-        </a:graphic>
-      </p:graphicFrame>
+        </p:nvSpPr>
+        <p:spPr>
+          <a:xfrm>
+            <a:off x="0" y="0"/>
+            <a:ext cx="9144000" cy="6858000"/>
+          </a:xfrm>
+          <a:prstGeom prst="rect">
+            <a:avLst/>
+          </a:prstGeom>
+          <a:ln>
+            <a:noFill/>
+          </a:ln>
+        </p:spPr>
+        <p:style>
+          <a:lnRef idx="2">
+            <a:schemeClr val="accent1">
+              <a:shade val="50000"/>
+            </a:schemeClr>
+          </a:lnRef>
+          <a:fillRef idx="1">
+            <a:schemeClr val="accent1"/>
+          </a:fillRef>
+          <a:effectRef idx="0">
+            <a:schemeClr val="accent1"/>
+          </a:effectRef>
+          <a:fontRef idx="minor">
+            <a:schemeClr val="lt1"/>
+          </a:fontRef>
+        </p:style>
+        <p:txBody>
+          <a:bodyPr rtlCol="0" anchor="ctr"/>
+          <a:lstStyle/>
+          <a:p>
+            <a:pPr algn="ctr"/>
+            <a:endParaRPr lang="en-US"/>
+          </a:p>
+        </p:txBody>
+      </p:sp>
+      <p:sp>
+        <p:nvSpPr>
+          <p:cNvPr id="2" name="Title 1">
+            <a:extLst>
+              <a:ext uri="{FF2B5EF4-FFF2-40B4-BE49-F238E27FC236}">
+                <a16:creationId xmlns:a16="http://schemas.microsoft.com/office/drawing/2014/main" id="{96901985-77A8-7716-0EB7-D10207676F4E}"/>
+              </a:ext>
+            </a:extLst>
+          </p:cNvPr>
+          <p:cNvSpPr>
+            <a:spLocks noGrp="1"/>
+          </p:cNvSpPr>
+          <p:nvPr>
+            <p:ph type="title"/>
+          </p:nvPr>
+        </p:nvSpPr>
+        <p:spPr>
+          <a:xfrm>
+            <a:off x="433988" y="1122363"/>
+            <a:ext cx="8276021" cy="3174690"/>
+          </a:xfrm>
+        </p:spPr>
+        <p:txBody>
+          <a:bodyPr vert="horz" lIns="91440" tIns="45720" rIns="91440" bIns="45720" rtlCol="0" anchor="b">
+            <a:normAutofit/>
+          </a:bodyPr>
+          <a:lstStyle/>
+          <a:p>
+            <a:pPr algn="l" defTabSz="914400">
+              <a:lnSpc>
+                <a:spcPct val="90000"/>
+              </a:lnSpc>
+            </a:pPr>
+            <a:r>
+              <a:rPr lang="en-US" sz="7000" kern="1200" dirty="0">
+                <a:solidFill>
+                  <a:schemeClr val="tx1"/>
+                </a:solidFill>
+                <a:latin typeface="+mj-lt"/>
+                <a:ea typeface="+mj-ea"/>
+                <a:cs typeface="+mj-cs"/>
+              </a:rPr>
+              <a:t>Images</a:t>
+            </a:r>
+            <a:r>
+              <a:rPr lang="en-US" sz="7000" dirty="0"/>
+              <a:t>  👇</a:t>
+            </a:r>
+            <a:r>
+              <a:rPr lang="en-US" sz="7000" kern="1200" dirty="0">
+                <a:solidFill>
+                  <a:schemeClr val="tx1"/>
+                </a:solidFill>
+                <a:latin typeface="+mj-lt"/>
+                <a:ea typeface="+mj-ea"/>
+                <a:cs typeface="+mj-cs"/>
+              </a:rPr>
+              <a:t> </a:t>
+            </a:r>
+          </a:p>
+        </p:txBody>
+      </p:sp>
+      <p:sp>
+        <p:nvSpPr>
+          <p:cNvPr id="9" name="Rectangle 8">
+            <a:extLst>
+              <a:ext uri="{FF2B5EF4-FFF2-40B4-BE49-F238E27FC236}">
+                <a16:creationId xmlns:a16="http://schemas.microsoft.com/office/drawing/2014/main" id="{7945AD00-F967-454D-A4B2-39ABA5C88C20}"/>
+              </a:ext>
+              <a:ext uri="{C183D7F6-B498-43B3-948B-1728B52AA6E4}">
+                <adec:decorative xmlns:adec="http://schemas.microsoft.com/office/drawing/2017/decorative" val="1"/>
+              </a:ext>
+            </a:extLst>
+          </p:cNvPr>
+          <p:cNvSpPr>
+            <a:spLocks noGrp="1" noRot="1" noChangeAspect="1" noMove="1" noResize="1" noEditPoints="1" noAdjustHandles="1" noChangeArrowheads="1" noChangeShapeType="1" noTextEdit="1"/>
+          </p:cNvSpPr>
+          <p:nvPr>
+            <p:extLst>
+              <p:ext uri="{386F3935-93C4-4BCD-93E2-E3B085C9AB24}">
+                <p16:designElem xmlns:p16="http://schemas.microsoft.com/office/powerpoint/2015/main" val="1"/>
+              </p:ext>
+            </p:extLst>
+          </p:nvPr>
+        </p:nvSpPr>
+        <p:spPr>
+          <a:xfrm rot="5400000">
+            <a:off x="624870" y="434802"/>
+            <a:ext cx="146304" cy="528066"/>
+          </a:xfrm>
+          <a:prstGeom prst="rect">
+            <a:avLst/>
+          </a:prstGeom>
+          <a:solidFill>
+            <a:schemeClr val="accent2"/>
+          </a:solidFill>
+          <a:ln>
+            <a:noFill/>
+          </a:ln>
+        </p:spPr>
+        <p:style>
+          <a:lnRef idx="2">
+            <a:schemeClr val="accent1">
+              <a:shade val="50000"/>
+            </a:schemeClr>
+          </a:lnRef>
+          <a:fillRef idx="1">
+            <a:schemeClr val="accent1"/>
+          </a:fillRef>
+          <a:effectRef idx="0">
+            <a:schemeClr val="accent1"/>
+          </a:effectRef>
+          <a:fontRef idx="minor">
+            <a:schemeClr val="lt1"/>
+          </a:fontRef>
+        </p:style>
+        <p:txBody>
+          <a:bodyPr rtlCol="0" anchor="ctr"/>
+          <a:lstStyle/>
+          <a:p>
+            <a:pPr marL="0" marR="0" lvl="0" indent="0" algn="ctr" defTabSz="914400" rtl="0" eaLnBrk="1" fontAlgn="auto" latinLnBrk="0" hangingPunct="1">
+              <a:lnSpc>
+                <a:spcPct val="100000"/>
+              </a:lnSpc>
+              <a:spcBef>
+                <a:spcPts val="0"/>
+              </a:spcBef>
+              <a:spcAft>
+                <a:spcPts val="0"/>
+              </a:spcAft>
+              <a:buClrTx/>
+              <a:buSzTx/>
+              <a:buFontTx/>
+              <a:buNone/>
+              <a:tabLst/>
+              <a:defRPr/>
+            </a:pPr>
+            <a:endParaRPr kumimoji="0" lang="en-US" sz="1800" b="0" i="0" u="none" strike="noStrike" kern="1200" cap="none" spc="0" normalizeH="0" baseline="0" noProof="0">
+              <a:ln>
+                <a:noFill/>
+              </a:ln>
+              <a:solidFill>
+                <a:prstClr val="white"/>
+              </a:solidFill>
+              <a:effectLst/>
+              <a:uLnTx/>
+              <a:uFillTx/>
+              <a:latin typeface="Calibri" panose="020F0502020204030204"/>
+              <a:ea typeface="+mn-ea"/>
+              <a:cs typeface="+mn-cs"/>
+            </a:endParaRPr>
+          </a:p>
+        </p:txBody>
+      </p:sp>
+      <p:sp>
+        <p:nvSpPr>
+          <p:cNvPr id="11" name="Rectangle 10">
+            <a:extLst>
+              <a:ext uri="{FF2B5EF4-FFF2-40B4-BE49-F238E27FC236}">
+                <a16:creationId xmlns:a16="http://schemas.microsoft.com/office/drawing/2014/main" id="{E9BC5B79-B912-427C-8219-E3E50943FCDE}"/>
+              </a:ext>
+              <a:ext uri="{C183D7F6-B498-43B3-948B-1728B52AA6E4}">
+                <adec:decorative xmlns:adec="http://schemas.microsoft.com/office/drawing/2017/decorative" val="1"/>
+              </a:ext>
+            </a:extLst>
+          </p:cNvPr>
+          <p:cNvSpPr>
+            <a:spLocks noGrp="1" noRot="1" noChangeAspect="1" noMove="1" noResize="1" noEditPoints="1" noAdjustHandles="1" noChangeArrowheads="1" noChangeShapeType="1" noTextEdit="1"/>
+          </p:cNvSpPr>
+          <p:nvPr>
+            <p:extLst>
+              <p:ext uri="{386F3935-93C4-4BCD-93E2-E3B085C9AB24}">
+                <p16:designElem xmlns:p16="http://schemas.microsoft.com/office/powerpoint/2015/main" val="1"/>
+              </p:ext>
+            </p:extLst>
+          </p:nvPr>
+        </p:nvSpPr>
+        <p:spPr>
+          <a:xfrm flipV="1">
+            <a:off x="433989" y="4501201"/>
+            <a:ext cx="8276022" cy="18288"/>
+          </a:xfrm>
+          <a:prstGeom prst="rect">
+            <a:avLst/>
+          </a:prstGeom>
+          <a:solidFill>
+            <a:srgbClr val="D5D5D5"/>
+          </a:solidFill>
+          <a:ln w="3175">
+            <a:noFill/>
+          </a:ln>
+          <a:effectLst/>
+        </p:spPr>
+        <p:style>
+          <a:lnRef idx="2">
+            <a:schemeClr val="accent1">
+              <a:shade val="50000"/>
+            </a:schemeClr>
+          </a:lnRef>
+          <a:fillRef idx="1">
+            <a:schemeClr val="accent1"/>
+          </a:fillRef>
+          <a:effectRef idx="0">
+            <a:schemeClr val="accent1"/>
+          </a:effectRef>
+          <a:fontRef idx="minor">
+            <a:schemeClr val="lt1"/>
+          </a:fontRef>
+        </p:style>
+        <p:txBody>
+          <a:bodyPr rtlCol="0" anchor="ctr"/>
+          <a:lstStyle/>
+          <a:p>
+            <a:pPr algn="ctr"/>
+            <a:endParaRPr lang="en-US">
+              <a:solidFill>
+                <a:prstClr val="white"/>
+              </a:solidFill>
+              <a:latin typeface="Calibri" panose="020F0502020204030204"/>
+            </a:endParaRPr>
+          </a:p>
+        </p:txBody>
+      </p:sp>
     </p:spTree>
     <p:extLst>
       <p:ext uri="{BB962C8B-B14F-4D97-AF65-F5344CB8AC3E}">
-        <p14:creationId xmlns:p14="http://schemas.microsoft.com/office/powerpoint/2010/main" val="2585355477"/>
+        <p14:creationId xmlns:p14="http://schemas.microsoft.com/office/powerpoint/2010/main" val="399301072"/>
+      </p:ext>
+    </p:extLst>
+  </p:cSld>
+  <p:clrMapOvr>
+    <a:masterClrMapping/>
+  </p:clrMapOvr>
+</p:sld>
+</file>
+
+<file path=ppt/slides/slide9.xml><?xml version="1.0" encoding="utf-8"?>
+<p:sld xmlns:a="http://schemas.openxmlformats.org/drawingml/2006/main" xmlns:r="http://schemas.openxmlformats.org/officeDocument/2006/relationships" xmlns:p="http://schemas.openxmlformats.org/presentationml/2006/main">
+  <p:cSld>
+    <p:bg>
+      <p:bgPr>
+        <a:solidFill>
+          <a:schemeClr val="bg1"/>
+        </a:solidFill>
+        <a:effectLst/>
+      </p:bgPr>
+    </p:bg>
+    <p:spTree>
+      <p:nvGrpSpPr>
+        <p:cNvPr id="1" name=""/>
+        <p:cNvGrpSpPr/>
+        <p:nvPr/>
+      </p:nvGrpSpPr>
+      <p:grpSpPr>
+        <a:xfrm>
+          <a:off x="0" y="0"/>
+          <a:ext cx="0" cy="0"/>
+          <a:chOff x="0" y="0"/>
+          <a:chExt cx="0" cy="0"/>
+        </a:xfrm>
+      </p:grpSpPr>
+      <p:sp>
+        <p:nvSpPr>
+          <p:cNvPr id="14" name="Rectangle 13">
+            <a:extLst>
+              <a:ext uri="{FF2B5EF4-FFF2-40B4-BE49-F238E27FC236}">
+                <a16:creationId xmlns:a16="http://schemas.microsoft.com/office/drawing/2014/main" id="{F3060C83-F051-4F0E-ABAD-AA0DFC48B218}"/>
+              </a:ext>
+              <a:ext uri="{C183D7F6-B498-43B3-948B-1728B52AA6E4}">
+                <adec:decorative xmlns:adec="http://schemas.microsoft.com/office/drawing/2017/decorative" val="1"/>
+              </a:ext>
+            </a:extLst>
+          </p:cNvPr>
+          <p:cNvSpPr>
+            <a:spLocks noGrp="1" noRot="1" noChangeAspect="1" noMove="1" noResize="1" noEditPoints="1" noAdjustHandles="1" noChangeArrowheads="1" noChangeShapeType="1" noTextEdit="1"/>
+          </p:cNvSpPr>
+          <p:nvPr>
+            <p:extLst>
+              <p:ext uri="{386F3935-93C4-4BCD-93E2-E3B085C9AB24}">
+                <p16:designElem xmlns:p16="http://schemas.microsoft.com/office/powerpoint/2015/main" val="1"/>
+              </p:ext>
+            </p:extLst>
+          </p:nvPr>
+        </p:nvSpPr>
+        <p:spPr>
+          <a:xfrm>
+            <a:off x="0" y="0"/>
+            <a:ext cx="9144000" cy="6858000"/>
+          </a:xfrm>
+          <a:prstGeom prst="rect">
+            <a:avLst/>
+          </a:prstGeom>
+          <a:solidFill>
+            <a:schemeClr val="bg1"/>
+          </a:solidFill>
+          <a:ln>
+            <a:noFill/>
+          </a:ln>
+        </p:spPr>
+        <p:style>
+          <a:lnRef idx="2">
+            <a:schemeClr val="accent1">
+              <a:shade val="50000"/>
+            </a:schemeClr>
+          </a:lnRef>
+          <a:fillRef idx="1">
+            <a:schemeClr val="accent1"/>
+          </a:fillRef>
+          <a:effectRef idx="0">
+            <a:schemeClr val="accent1"/>
+          </a:effectRef>
+          <a:fontRef idx="minor">
+            <a:schemeClr val="lt1"/>
+          </a:fontRef>
+        </p:style>
+        <p:txBody>
+          <a:bodyPr rtlCol="0" anchor="ctr"/>
+          <a:lstStyle/>
+          <a:p>
+            <a:pPr algn="ctr"/>
+            <a:endParaRPr lang="en-US" dirty="0"/>
+          </a:p>
+        </p:txBody>
+      </p:sp>
+      <p:sp>
+        <p:nvSpPr>
+          <p:cNvPr id="16" name="Freeform: Shape 15">
+            <a:extLst>
+              <a:ext uri="{FF2B5EF4-FFF2-40B4-BE49-F238E27FC236}">
+                <a16:creationId xmlns:a16="http://schemas.microsoft.com/office/drawing/2014/main" id="{83C98ABE-055B-441F-B07E-44F97F083C39}"/>
+              </a:ext>
+              <a:ext uri="{C183D7F6-B498-43B3-948B-1728B52AA6E4}">
+                <adec:decorative xmlns:adec="http://schemas.microsoft.com/office/drawing/2017/decorative" val="1"/>
+              </a:ext>
+            </a:extLst>
+          </p:cNvPr>
+          <p:cNvSpPr>
+            <a:spLocks noGrp="1" noRot="1" noChangeAspect="1" noMove="1" noResize="1" noEditPoints="1" noAdjustHandles="1" noChangeArrowheads="1" noChangeShapeType="1" noTextEdit="1"/>
+          </p:cNvSpPr>
+          <p:nvPr>
+            <p:extLst>
+              <p:ext uri="{386F3935-93C4-4BCD-93E2-E3B085C9AB24}">
+                <p16:designElem xmlns:p16="http://schemas.microsoft.com/office/powerpoint/2015/main" val="1"/>
+              </p:ext>
+            </p:extLst>
+          </p:nvPr>
+        </p:nvSpPr>
+        <p:spPr>
+          <a:xfrm rot="18900000" flipH="1">
+            <a:off x="-282117" y="-253670"/>
+            <a:ext cx="1370728" cy="1376989"/>
+          </a:xfrm>
+          <a:custGeom>
+            <a:avLst/>
+            <a:gdLst>
+              <a:gd name="connsiteX0" fmla="*/ 0 w 1827638"/>
+              <a:gd name="connsiteY0" fmla="*/ 987379 h 1376989"/>
+              <a:gd name="connsiteX1" fmla="*/ 987379 w 1827638"/>
+              <a:gd name="connsiteY1" fmla="*/ 0 h 1376989"/>
+              <a:gd name="connsiteX2" fmla="*/ 1827638 w 1827638"/>
+              <a:gd name="connsiteY2" fmla="*/ 840260 h 1376989"/>
+              <a:gd name="connsiteX3" fmla="*/ 1827638 w 1827638"/>
+              <a:gd name="connsiteY3" fmla="*/ 1376989 h 1376989"/>
+              <a:gd name="connsiteX4" fmla="*/ 0 w 1827638"/>
+              <a:gd name="connsiteY4" fmla="*/ 1376989 h 1376989"/>
+            </a:gdLst>
+            <a:ahLst/>
+            <a:cxnLst>
+              <a:cxn ang="0">
+                <a:pos x="connsiteX0" y="connsiteY0"/>
+              </a:cxn>
+              <a:cxn ang="0">
+                <a:pos x="connsiteX1" y="connsiteY1"/>
+              </a:cxn>
+              <a:cxn ang="0">
+                <a:pos x="connsiteX2" y="connsiteY2"/>
+              </a:cxn>
+              <a:cxn ang="0">
+                <a:pos x="connsiteX3" y="connsiteY3"/>
+              </a:cxn>
+              <a:cxn ang="0">
+                <a:pos x="connsiteX4" y="connsiteY4"/>
+              </a:cxn>
+            </a:cxnLst>
+            <a:rect l="l" t="t" r="r" b="b"/>
+            <a:pathLst>
+              <a:path w="1827638" h="1376989">
+                <a:moveTo>
+                  <a:pt x="0" y="987379"/>
+                </a:moveTo>
+                <a:lnTo>
+                  <a:pt x="987379" y="0"/>
+                </a:lnTo>
+                <a:lnTo>
+                  <a:pt x="1827638" y="840260"/>
+                </a:lnTo>
+                <a:lnTo>
+                  <a:pt x="1827638" y="1376989"/>
+                </a:lnTo>
+                <a:lnTo>
+                  <a:pt x="0" y="1376989"/>
+                </a:lnTo>
+                <a:close/>
+              </a:path>
+            </a:pathLst>
+          </a:custGeom>
+          <a:solidFill>
+            <a:schemeClr val="accent1">
+              <a:alpha val="30000"/>
+            </a:schemeClr>
+          </a:solidFill>
+          <a:ln>
+            <a:noFill/>
+          </a:ln>
+        </p:spPr>
+        <p:style>
+          <a:lnRef idx="2">
+            <a:schemeClr val="accent1">
+              <a:shade val="50000"/>
+            </a:schemeClr>
+          </a:lnRef>
+          <a:fillRef idx="1">
+            <a:schemeClr val="accent1"/>
+          </a:fillRef>
+          <a:effectRef idx="0">
+            <a:schemeClr val="accent1"/>
+          </a:effectRef>
+          <a:fontRef idx="minor">
+            <a:schemeClr val="lt1"/>
+          </a:fontRef>
+        </p:style>
+        <p:txBody>
+          <a:bodyPr rtlCol="0" anchor="ctr"/>
+          <a:lstStyle/>
+          <a:p>
+            <a:pPr algn="ctr"/>
+            <a:endParaRPr lang="en-US" dirty="0"/>
+          </a:p>
+        </p:txBody>
+      </p:sp>
+      <p:sp>
+        <p:nvSpPr>
+          <p:cNvPr id="18" name="Rectangle 17">
+            <a:extLst>
+              <a:ext uri="{FF2B5EF4-FFF2-40B4-BE49-F238E27FC236}">
+                <a16:creationId xmlns:a16="http://schemas.microsoft.com/office/drawing/2014/main" id="{29FDB030-9B49-4CED-8CCD-4D99382388AC}"/>
+              </a:ext>
+              <a:ext uri="{C183D7F6-B498-43B3-948B-1728B52AA6E4}">
+                <adec:decorative xmlns:adec="http://schemas.microsoft.com/office/drawing/2017/decorative" val="1"/>
+              </a:ext>
+            </a:extLst>
+          </p:cNvPr>
+          <p:cNvSpPr>
+            <a:spLocks noGrp="1" noRot="1" noChangeAspect="1" noMove="1" noResize="1" noEditPoints="1" noAdjustHandles="1" noChangeArrowheads="1" noChangeShapeType="1" noTextEdit="1"/>
+          </p:cNvSpPr>
+          <p:nvPr>
+            <p:extLst>
+              <p:ext uri="{386F3935-93C4-4BCD-93E2-E3B085C9AB24}">
+                <p16:designElem xmlns:p16="http://schemas.microsoft.com/office/powerpoint/2015/main" val="1"/>
+              </p:ext>
+            </p:extLst>
+          </p:nvPr>
+        </p:nvSpPr>
+        <p:spPr>
+          <a:xfrm rot="18900000" flipH="1">
+            <a:off x="668730" y="422146"/>
+            <a:ext cx="484026" cy="645368"/>
+          </a:xfrm>
+          <a:prstGeom prst="rect">
+            <a:avLst/>
+          </a:prstGeom>
+          <a:solidFill>
+            <a:schemeClr val="accent1">
+              <a:alpha val="30000"/>
+            </a:schemeClr>
+          </a:solidFill>
+          <a:ln>
+            <a:noFill/>
+          </a:ln>
+        </p:spPr>
+        <p:style>
+          <a:lnRef idx="2">
+            <a:schemeClr val="accent1">
+              <a:shade val="50000"/>
+            </a:schemeClr>
+          </a:lnRef>
+          <a:fillRef idx="1">
+            <a:schemeClr val="accent1"/>
+          </a:fillRef>
+          <a:effectRef idx="0">
+            <a:schemeClr val="accent1"/>
+          </a:effectRef>
+          <a:fontRef idx="minor">
+            <a:schemeClr val="lt1"/>
+          </a:fontRef>
+        </p:style>
+        <p:txBody>
+          <a:bodyPr rtlCol="0" anchor="ctr"/>
+          <a:lstStyle/>
+          <a:p>
+            <a:pPr algn="ctr"/>
+            <a:endParaRPr lang="en-US"/>
+          </a:p>
+        </p:txBody>
+      </p:sp>
+      <p:sp>
+        <p:nvSpPr>
+          <p:cNvPr id="20" name="Rectangle 19">
+            <a:extLst>
+              <a:ext uri="{FF2B5EF4-FFF2-40B4-BE49-F238E27FC236}">
+                <a16:creationId xmlns:a16="http://schemas.microsoft.com/office/drawing/2014/main" id="{3783CA14-24A1-485C-8B30-D6A5D87987AD}"/>
+              </a:ext>
+              <a:ext uri="{C183D7F6-B498-43B3-948B-1728B52AA6E4}">
+                <adec:decorative xmlns:adec="http://schemas.microsoft.com/office/drawing/2017/decorative" val="1"/>
+              </a:ext>
+            </a:extLst>
+          </p:cNvPr>
+          <p:cNvSpPr>
+            <a:spLocks noGrp="1" noRot="1" noChangeAspect="1" noMove="1" noResize="1" noEditPoints="1" noAdjustHandles="1" noChangeArrowheads="1" noChangeShapeType="1" noTextEdit="1"/>
+          </p:cNvSpPr>
+          <p:nvPr>
+            <p:extLst>
+              <p:ext uri="{386F3935-93C4-4BCD-93E2-E3B085C9AB24}">
+                <p16:designElem xmlns:p16="http://schemas.microsoft.com/office/powerpoint/2015/main" val="1"/>
+              </p:ext>
+            </p:extLst>
+          </p:nvPr>
+        </p:nvSpPr>
+        <p:spPr>
+          <a:xfrm rot="18900000" flipH="1">
+            <a:off x="7532611" y="655140"/>
+            <a:ext cx="515604" cy="687472"/>
+          </a:xfrm>
+          <a:prstGeom prst="rect">
+            <a:avLst/>
+          </a:prstGeom>
+          <a:solidFill>
+            <a:schemeClr val="accent4">
+              <a:alpha val="30000"/>
+            </a:schemeClr>
+          </a:solidFill>
+          <a:ln>
+            <a:noFill/>
+          </a:ln>
+        </p:spPr>
+        <p:style>
+          <a:lnRef idx="2">
+            <a:schemeClr val="accent1">
+              <a:shade val="50000"/>
+            </a:schemeClr>
+          </a:lnRef>
+          <a:fillRef idx="1">
+            <a:schemeClr val="accent1"/>
+          </a:fillRef>
+          <a:effectRef idx="0">
+            <a:schemeClr val="accent1"/>
+          </a:effectRef>
+          <a:fontRef idx="minor">
+            <a:schemeClr val="lt1"/>
+          </a:fontRef>
+        </p:style>
+        <p:txBody>
+          <a:bodyPr rtlCol="0" anchor="ctr"/>
+          <a:lstStyle/>
+          <a:p>
+            <a:pPr algn="ctr"/>
+            <a:endParaRPr lang="en-US"/>
+          </a:p>
+        </p:txBody>
+      </p:sp>
+      <p:sp>
+        <p:nvSpPr>
+          <p:cNvPr id="22" name="Freeform: Shape 21">
+            <a:extLst>
+              <a:ext uri="{FF2B5EF4-FFF2-40B4-BE49-F238E27FC236}">
+                <a16:creationId xmlns:a16="http://schemas.microsoft.com/office/drawing/2014/main" id="{9A97C86A-04D6-40F7-AE84-31AB43E6A846}"/>
+              </a:ext>
+              <a:ext uri="{C183D7F6-B498-43B3-948B-1728B52AA6E4}">
+                <adec:decorative xmlns:adec="http://schemas.microsoft.com/office/drawing/2017/decorative" val="1"/>
+              </a:ext>
+            </a:extLst>
+          </p:cNvPr>
+          <p:cNvSpPr>
+            <a:spLocks noGrp="1" noRot="1" noChangeAspect="1" noMove="1" noResize="1" noEditPoints="1" noAdjustHandles="1" noChangeArrowheads="1" noChangeShapeType="1" noTextEdit="1"/>
+          </p:cNvSpPr>
+          <p:nvPr>
+            <p:extLst>
+              <p:ext uri="{386F3935-93C4-4BCD-93E2-E3B085C9AB24}">
+                <p16:designElem xmlns:p16="http://schemas.microsoft.com/office/powerpoint/2015/main" val="1"/>
+              </p:ext>
+            </p:extLst>
+          </p:nvPr>
+        </p:nvSpPr>
+        <p:spPr>
+          <a:xfrm rot="10800000" flipH="1">
+            <a:off x="7017482" y="0"/>
+            <a:ext cx="2126518" cy="1480837"/>
+          </a:xfrm>
+          <a:custGeom>
+            <a:avLst/>
+            <a:gdLst>
+              <a:gd name="connsiteX0" fmla="*/ 2835357 w 2835357"/>
+              <a:gd name="connsiteY0" fmla="*/ 1480837 h 1480837"/>
+              <a:gd name="connsiteX1" fmla="*/ 0 w 2835357"/>
+              <a:gd name="connsiteY1" fmla="*/ 1480837 h 1480837"/>
+              <a:gd name="connsiteX2" fmla="*/ 1552727 w 2835357"/>
+              <a:gd name="connsiteY2" fmla="*/ 0 h 1480837"/>
+              <a:gd name="connsiteX3" fmla="*/ 2835357 w 2835357"/>
+              <a:gd name="connsiteY3" fmla="*/ 1223245 h 1480837"/>
+            </a:gdLst>
+            <a:ahLst/>
+            <a:cxnLst>
+              <a:cxn ang="0">
+                <a:pos x="connsiteX0" y="connsiteY0"/>
+              </a:cxn>
+              <a:cxn ang="0">
+                <a:pos x="connsiteX1" y="connsiteY1"/>
+              </a:cxn>
+              <a:cxn ang="0">
+                <a:pos x="connsiteX2" y="connsiteY2"/>
+              </a:cxn>
+              <a:cxn ang="0">
+                <a:pos x="connsiteX3" y="connsiteY3"/>
+              </a:cxn>
+            </a:cxnLst>
+            <a:rect l="l" t="t" r="r" b="b"/>
+            <a:pathLst>
+              <a:path w="2835357" h="1480837">
+                <a:moveTo>
+                  <a:pt x="2835357" y="1480837"/>
+                </a:moveTo>
+                <a:lnTo>
+                  <a:pt x="0" y="1480837"/>
+                </a:lnTo>
+                <a:lnTo>
+                  <a:pt x="1552727" y="0"/>
+                </a:lnTo>
+                <a:lnTo>
+                  <a:pt x="2835357" y="1223245"/>
+                </a:lnTo>
+                <a:close/>
+              </a:path>
+            </a:pathLst>
+          </a:custGeom>
+          <a:solidFill>
+            <a:schemeClr val="accent4">
+              <a:alpha val="30000"/>
+            </a:schemeClr>
+          </a:solidFill>
+          <a:ln>
+            <a:noFill/>
+          </a:ln>
+        </p:spPr>
+        <p:style>
+          <a:lnRef idx="2">
+            <a:schemeClr val="accent1">
+              <a:shade val="50000"/>
+            </a:schemeClr>
+          </a:lnRef>
+          <a:fillRef idx="1">
+            <a:schemeClr val="accent1"/>
+          </a:fillRef>
+          <a:effectRef idx="0">
+            <a:schemeClr val="accent1"/>
+          </a:effectRef>
+          <a:fontRef idx="minor">
+            <a:schemeClr val="lt1"/>
+          </a:fontRef>
+        </p:style>
+        <p:txBody>
+          <a:bodyPr wrap="square" rtlCol="0" anchor="ctr">
+            <a:noAutofit/>
+          </a:bodyPr>
+          <a:lstStyle/>
+          <a:p>
+            <a:pPr algn="ctr"/>
+            <a:endParaRPr lang="en-US" dirty="0"/>
+          </a:p>
+        </p:txBody>
+      </p:sp>
+      <p:sp>
+        <p:nvSpPr>
+          <p:cNvPr id="24" name="Isosceles Triangle 23">
+            <a:extLst>
+              <a:ext uri="{FF2B5EF4-FFF2-40B4-BE49-F238E27FC236}">
+                <a16:creationId xmlns:a16="http://schemas.microsoft.com/office/drawing/2014/main" id="{FF9F2414-84E8-453E-B1F3-389FDE8192D9}"/>
+              </a:ext>
+              <a:ext uri="{C183D7F6-B498-43B3-948B-1728B52AA6E4}">
+                <adec:decorative xmlns:adec="http://schemas.microsoft.com/office/drawing/2017/decorative" val="1"/>
+              </a:ext>
+            </a:extLst>
+          </p:cNvPr>
+          <p:cNvSpPr>
+            <a:spLocks noGrp="1" noRot="1" noChangeAspect="1" noMove="1" noResize="1" noEditPoints="1" noAdjustHandles="1" noChangeArrowheads="1" noChangeShapeType="1" noTextEdit="1"/>
+          </p:cNvSpPr>
+          <p:nvPr>
+            <p:extLst>
+              <p:ext uri="{386F3935-93C4-4BCD-93E2-E3B085C9AB24}">
+                <p16:designElem xmlns:p16="http://schemas.microsoft.com/office/powerpoint/2015/main" val="1"/>
+              </p:ext>
+            </p:extLst>
+          </p:nvPr>
+        </p:nvSpPr>
+        <p:spPr>
+          <a:xfrm flipH="1">
+            <a:off x="5982258" y="6115501"/>
+            <a:ext cx="1120884" cy="742499"/>
+          </a:xfrm>
+          <a:prstGeom prst="triangle">
+            <a:avLst/>
+          </a:prstGeom>
+          <a:solidFill>
+            <a:schemeClr val="accent1">
+              <a:alpha val="30000"/>
+            </a:schemeClr>
+          </a:solidFill>
+          <a:ln>
+            <a:noFill/>
+          </a:ln>
+        </p:spPr>
+        <p:style>
+          <a:lnRef idx="2">
+            <a:schemeClr val="accent1">
+              <a:shade val="50000"/>
+            </a:schemeClr>
+          </a:lnRef>
+          <a:fillRef idx="1">
+            <a:schemeClr val="accent1"/>
+          </a:fillRef>
+          <a:effectRef idx="0">
+            <a:schemeClr val="accent1"/>
+          </a:effectRef>
+          <a:fontRef idx="minor">
+            <a:schemeClr val="lt1"/>
+          </a:fontRef>
+        </p:style>
+        <p:txBody>
+          <a:bodyPr rtlCol="0" anchor="ctr"/>
+          <a:lstStyle/>
+          <a:p>
+            <a:pPr algn="ctr"/>
+            <a:endParaRPr lang="en-US"/>
+          </a:p>
+        </p:txBody>
+      </p:sp>
+      <p:pic>
+        <p:nvPicPr>
+          <p:cNvPr id="9" name="Picture 8" descr="A graph of a distribution of average ratings&#10;&#10;AI-generated content may be incorrect.">
+            <a:extLst>
+              <a:ext uri="{FF2B5EF4-FFF2-40B4-BE49-F238E27FC236}">
+                <a16:creationId xmlns:a16="http://schemas.microsoft.com/office/drawing/2014/main" id="{D021D9AC-2D4C-D4E4-FCBA-C79B25257755}"/>
+              </a:ext>
+            </a:extLst>
+          </p:cNvPr>
+          <p:cNvPicPr>
+            <a:picLocks noChangeAspect="1"/>
+          </p:cNvPicPr>
+          <p:nvPr/>
+        </p:nvPicPr>
+        <p:blipFill>
+          <a:blip r:embed="rId2"/>
+          <a:stretch>
+            <a:fillRect/>
+          </a:stretch>
+        </p:blipFill>
+        <p:spPr>
+          <a:xfrm>
+            <a:off x="482600" y="1466088"/>
+            <a:ext cx="8178799" cy="3925822"/>
+          </a:xfrm>
+          <a:prstGeom prst="rect">
+            <a:avLst/>
+          </a:prstGeom>
+          <a:ln>
+            <a:noFill/>
+          </a:ln>
+        </p:spPr>
+      </p:pic>
+      <p:sp>
+        <p:nvSpPr>
+          <p:cNvPr id="26" name="Isosceles Triangle 25">
+            <a:extLst>
+              <a:ext uri="{FF2B5EF4-FFF2-40B4-BE49-F238E27FC236}">
+                <a16:creationId xmlns:a16="http://schemas.microsoft.com/office/drawing/2014/main" id="{3ECA69A1-7536-43AC-85EF-C7106179F5ED}"/>
+              </a:ext>
+              <a:ext uri="{C183D7F6-B498-43B3-948B-1728B52AA6E4}">
+                <adec:decorative xmlns:adec="http://schemas.microsoft.com/office/drawing/2017/decorative" val="1"/>
+              </a:ext>
+            </a:extLst>
+          </p:cNvPr>
+          <p:cNvSpPr>
+            <a:spLocks noGrp="1" noRot="1" noChangeAspect="1" noMove="1" noResize="1" noEditPoints="1" noAdjustHandles="1" noChangeArrowheads="1" noChangeShapeType="1" noTextEdit="1"/>
+          </p:cNvSpPr>
+          <p:nvPr>
+            <p:extLst>
+              <p:ext uri="{386F3935-93C4-4BCD-93E2-E3B085C9AB24}">
+                <p16:designElem xmlns:p16="http://schemas.microsoft.com/office/powerpoint/2015/main" val="1"/>
+              </p:ext>
+            </p:extLst>
+          </p:nvPr>
+        </p:nvSpPr>
+        <p:spPr>
+          <a:xfrm flipH="1">
+            <a:off x="5703060" y="6453143"/>
+            <a:ext cx="611177" cy="404857"/>
+          </a:xfrm>
+          <a:prstGeom prst="triangle">
+            <a:avLst/>
+          </a:prstGeom>
+          <a:solidFill>
+            <a:schemeClr val="accent1">
+              <a:alpha val="30000"/>
+            </a:schemeClr>
+          </a:solidFill>
+          <a:ln>
+            <a:noFill/>
+          </a:ln>
+        </p:spPr>
+        <p:style>
+          <a:lnRef idx="2">
+            <a:schemeClr val="accent1">
+              <a:shade val="50000"/>
+            </a:schemeClr>
+          </a:lnRef>
+          <a:fillRef idx="1">
+            <a:schemeClr val="accent1"/>
+          </a:fillRef>
+          <a:effectRef idx="0">
+            <a:schemeClr val="accent1"/>
+          </a:effectRef>
+          <a:fontRef idx="minor">
+            <a:schemeClr val="lt1"/>
+          </a:fontRef>
+        </p:style>
+        <p:txBody>
+          <a:bodyPr rtlCol="0" anchor="ctr"/>
+          <a:lstStyle/>
+          <a:p>
+            <a:pPr algn="ctr"/>
+            <a:endParaRPr lang="en-US"/>
+          </a:p>
+        </p:txBody>
+      </p:sp>
+    </p:spTree>
+    <p:extLst>
+      <p:ext uri="{BB962C8B-B14F-4D97-AF65-F5344CB8AC3E}">
+        <p14:creationId xmlns:p14="http://schemas.microsoft.com/office/powerpoint/2010/main" val="2209862336"/>
       </p:ext>
     </p:extLst>
   </p:cSld>
